--- a/inst/extdata/template_old_169.pptx
+++ b/inst/extdata/template_old_169.pptx
@@ -956,7 +956,7 @@
           <a:p>
             <a:fld id="{862C827D-FC0C-184A-B855-165F1307D257}" type="datetimeFigureOut">
               <a:rPr lang="en-US" smtClean="0"/>
-              <a:t>11/23/20</a:t>
+              <a:t>4/1/22</a:t>
             </a:fld>
             <a:endParaRPr lang="en-US"/>
           </a:p>
@@ -1306,7 +1306,7 @@
           <a:p>
             <a:fld id="{862C827D-FC0C-184A-B855-165F1307D257}" type="datetimeFigureOut">
               <a:rPr lang="en-US" smtClean="0"/>
-              <a:t>11/23/20</a:t>
+              <a:t>4/1/22</a:t>
             </a:fld>
             <a:endParaRPr lang="en-US"/>
           </a:p>
@@ -1610,7 +1610,7 @@
           <a:p>
             <a:fld id="{862C827D-FC0C-184A-B855-165F1307D257}" type="datetimeFigureOut">
               <a:rPr lang="en-US" smtClean="0"/>
-              <a:t>11/23/20</a:t>
+              <a:t>4/1/22</a:t>
             </a:fld>
             <a:endParaRPr lang="en-US"/>
           </a:p>
@@ -1904,6 +1904,183 @@
 </p:sldLayout>
 </file>
 
+<file path=ppt/slideLayouts/slideLayout6.xml><?xml version="1.0" encoding="utf-8"?>
+<p:sldLayout xmlns:a="http://schemas.openxmlformats.org/drawingml/2006/main" xmlns:r="http://schemas.openxmlformats.org/officeDocument/2006/relationships" xmlns:p="http://schemas.openxmlformats.org/presentationml/2006/main" preserve="1" userDrawn="1">
+  <p:cSld name="Blank">
+    <p:spTree>
+      <p:nvGrpSpPr>
+        <p:cNvPr id="1" name=""/>
+        <p:cNvGrpSpPr/>
+        <p:nvPr/>
+      </p:nvGrpSpPr>
+      <p:grpSpPr>
+        <a:xfrm>
+          <a:off x="0" y="0"/>
+          <a:ext cx="0" cy="0"/>
+          <a:chOff x="0" y="0"/>
+          <a:chExt cx="0" cy="0"/>
+        </a:xfrm>
+      </p:grpSpPr>
+      <p:sp>
+        <p:nvSpPr>
+          <p:cNvPr id="2" name="Title 1">
+            <a:extLst>
+              <a:ext uri="{FF2B5EF4-FFF2-40B4-BE49-F238E27FC236}">
+                <a16:creationId xmlns:a16="http://schemas.microsoft.com/office/drawing/2014/main" id="{6BC17464-26F0-F70E-03FB-7D458DC13FC5}"/>
+              </a:ext>
+            </a:extLst>
+          </p:cNvPr>
+          <p:cNvSpPr>
+            <a:spLocks noGrp="1"/>
+          </p:cNvSpPr>
+          <p:nvPr>
+            <p:ph type="title"/>
+          </p:nvPr>
+        </p:nvSpPr>
+        <p:spPr/>
+        <p:txBody>
+          <a:bodyPr/>
+          <a:lstStyle/>
+          <a:p>
+            <a:r>
+              <a:rPr lang="en-US"/>
+              <a:t>Click to edit Master title style</a:t>
+            </a:r>
+            <a:endParaRPr lang="en-AU"/>
+          </a:p>
+        </p:txBody>
+      </p:sp>
+    </p:spTree>
+    <p:extLst>
+      <p:ext uri="{BB962C8B-B14F-4D97-AF65-F5344CB8AC3E}">
+        <p14:creationId xmlns:p14="http://schemas.microsoft.com/office/powerpoint/2010/main" val="4019290728"/>
+      </p:ext>
+    </p:extLst>
+  </p:cSld>
+  <p:clrMapOvr>
+    <a:masterClrMapping/>
+  </p:clrMapOvr>
+</p:sldLayout>
+</file>
+
+<file path=ppt/slideLayouts/slideLayout7.xml><?xml version="1.0" encoding="utf-8"?>
+<p:sldLayout xmlns:a="http://schemas.openxmlformats.org/drawingml/2006/main" xmlns:r="http://schemas.openxmlformats.org/officeDocument/2006/relationships" xmlns:p="http://schemas.openxmlformats.org/presentationml/2006/main" preserve="1" userDrawn="1">
+  <p:cSld name="Comparison">
+    <p:spTree>
+      <p:nvGrpSpPr>
+        <p:cNvPr id="1" name=""/>
+        <p:cNvGrpSpPr/>
+        <p:nvPr/>
+      </p:nvGrpSpPr>
+      <p:grpSpPr>
+        <a:xfrm>
+          <a:off x="0" y="0"/>
+          <a:ext cx="0" cy="0"/>
+          <a:chOff x="0" y="0"/>
+          <a:chExt cx="0" cy="0"/>
+        </a:xfrm>
+      </p:grpSpPr>
+      <p:sp>
+        <p:nvSpPr>
+          <p:cNvPr id="2" name="Title 1">
+            <a:extLst>
+              <a:ext uri="{FF2B5EF4-FFF2-40B4-BE49-F238E27FC236}">
+                <a16:creationId xmlns:a16="http://schemas.microsoft.com/office/drawing/2014/main" id="{598E868C-2161-3F70-9E5A-5C38113B1CCD}"/>
+              </a:ext>
+            </a:extLst>
+          </p:cNvPr>
+          <p:cNvSpPr>
+            <a:spLocks noGrp="1"/>
+          </p:cNvSpPr>
+          <p:nvPr>
+            <p:ph type="title"/>
+          </p:nvPr>
+        </p:nvSpPr>
+        <p:spPr/>
+        <p:txBody>
+          <a:bodyPr/>
+          <a:lstStyle/>
+          <a:p>
+            <a:r>
+              <a:rPr lang="en-US"/>
+              <a:t>Click to edit Master title style</a:t>
+            </a:r>
+            <a:endParaRPr lang="en-AU"/>
+          </a:p>
+        </p:txBody>
+      </p:sp>
+    </p:spTree>
+    <p:extLst>
+      <p:ext uri="{BB962C8B-B14F-4D97-AF65-F5344CB8AC3E}">
+        <p14:creationId xmlns:p14="http://schemas.microsoft.com/office/powerpoint/2010/main" val="928640339"/>
+      </p:ext>
+    </p:extLst>
+  </p:cSld>
+  <p:clrMapOvr>
+    <a:masterClrMapping/>
+  </p:clrMapOvr>
+</p:sldLayout>
+</file>
+
+<file path=ppt/slideLayouts/slideLayout8.xml><?xml version="1.0" encoding="utf-8"?>
+<p:sldLayout xmlns:a="http://schemas.openxmlformats.org/drawingml/2006/main" xmlns:r="http://schemas.openxmlformats.org/officeDocument/2006/relationships" xmlns:p="http://schemas.openxmlformats.org/presentationml/2006/main" preserve="1" userDrawn="1">
+  <p:cSld name="Content with Caption">
+    <p:spTree>
+      <p:nvGrpSpPr>
+        <p:cNvPr id="1" name=""/>
+        <p:cNvGrpSpPr/>
+        <p:nvPr/>
+      </p:nvGrpSpPr>
+      <p:grpSpPr>
+        <a:xfrm>
+          <a:off x="0" y="0"/>
+          <a:ext cx="0" cy="0"/>
+          <a:chOff x="0" y="0"/>
+          <a:chExt cx="0" cy="0"/>
+        </a:xfrm>
+      </p:grpSpPr>
+      <p:sp>
+        <p:nvSpPr>
+          <p:cNvPr id="2" name="Title 1">
+            <a:extLst>
+              <a:ext uri="{FF2B5EF4-FFF2-40B4-BE49-F238E27FC236}">
+                <a16:creationId xmlns:a16="http://schemas.microsoft.com/office/drawing/2014/main" id="{27AED932-2FE5-9703-B8AE-C45091E0F0E2}"/>
+              </a:ext>
+            </a:extLst>
+          </p:cNvPr>
+          <p:cNvSpPr>
+            <a:spLocks noGrp="1"/>
+          </p:cNvSpPr>
+          <p:nvPr>
+            <p:ph type="title"/>
+          </p:nvPr>
+        </p:nvSpPr>
+        <p:spPr/>
+        <p:txBody>
+          <a:bodyPr/>
+          <a:lstStyle/>
+          <a:p>
+            <a:r>
+              <a:rPr lang="en-US"/>
+              <a:t>Click to edit Master title style</a:t>
+            </a:r>
+            <a:endParaRPr lang="en-AU"/>
+          </a:p>
+        </p:txBody>
+      </p:sp>
+    </p:spTree>
+    <p:extLst>
+      <p:ext uri="{BB962C8B-B14F-4D97-AF65-F5344CB8AC3E}">
+        <p14:creationId xmlns:p14="http://schemas.microsoft.com/office/powerpoint/2010/main" val="4155301138"/>
+      </p:ext>
+    </p:extLst>
+  </p:cSld>
+  <p:clrMapOvr>
+    <a:masterClrMapping/>
+  </p:clrMapOvr>
+</p:sldLayout>
+</file>
+
 <file path=ppt/slideMasters/slideMaster1.xml><?xml version="1.0" encoding="utf-8"?>
 <p:sldMaster xmlns:a="http://schemas.openxmlformats.org/drawingml/2006/main" xmlns:r="http://schemas.openxmlformats.org/officeDocument/2006/relationships" xmlns:p="http://schemas.openxmlformats.org/presentationml/2006/main">
   <p:cSld>
@@ -2088,7 +2265,7 @@
           <p:nvPr userDrawn="1"/>
         </p:nvPicPr>
         <p:blipFill>
-          <a:blip r:embed="rId7" cstate="print"/>
+          <a:blip r:embed="rId10" cstate="print"/>
           <a:srcRect/>
           <a:stretch>
             <a:fillRect/>
@@ -2146,7 +2323,7 @@
           <a:p>
             <a:fld id="{862C827D-FC0C-184A-B855-165F1307D257}" type="datetimeFigureOut">
               <a:rPr lang="en-US" smtClean="0"/>
-              <a:t>11/23/20</a:t>
+              <a:t>4/1/22</a:t>
             </a:fld>
             <a:endParaRPr lang="en-US"/>
           </a:p>
@@ -2251,6 +2428,9 @@
     <p:sldLayoutId id="2147483663" r:id="rId3"/>
     <p:sldLayoutId id="2147483664" r:id="rId4"/>
     <p:sldLayoutId id="2147483655" r:id="rId5"/>
+    <p:sldLayoutId id="2147483665" r:id="rId6"/>
+    <p:sldLayoutId id="2147483666" r:id="rId7"/>
+    <p:sldLayoutId id="2147483667" r:id="rId8"/>
   </p:sldLayoutIdLst>
   <p:hf hdr="0" ftr="0" dt="0"/>
   <p:txStyles>
